--- a/Tour/CSS 3.pptx
+++ b/Tour/CSS 3.pptx
@@ -209,7 +209,7 @@
             <a:fld id="{19AA70C2-0218-4936-AEEA-91B5F9EFBC78}" type="datetimeFigureOut">
               <a:rPr lang="zh-CN" altLang="en-US" smtClean="0"/>
               <a:pPr/>
-              <a:t>2012/8/1</a:t>
+              <a:t>2013/9/10</a:t>
             </a:fld>
             <a:endParaRPr lang="zh-CN" altLang="en-US"/>
           </a:p>
@@ -378,6 +378,11 @@
         </p:txBody>
       </p:sp>
     </p:spTree>
+    <p:extLst>
+      <p:ext uri="{BB962C8B-B14F-4D97-AF65-F5344CB8AC3E}">
+        <p14:creationId xmlns:p14="http://schemas.microsoft.com/office/powerpoint/2010/main" val="3364706115"/>
+      </p:ext>
+    </p:extLst>
   </p:cSld>
   <p:clrMap bg1="lt1" tx1="dk1" bg2="lt2" tx2="dk2" accent1="accent1" accent2="accent2" accent3="accent3" accent4="accent4" accent5="accent5" accent6="accent6" hlink="hlink" folHlink="folHlink"/>
   <p:notesStyle>
@@ -755,7 +760,7 @@
             <a:fld id="{DD307439-335A-4AF6-B548-D3E8EC230CFD}" type="datetimeFigureOut">
               <a:rPr lang="zh-CN" altLang="en-US" smtClean="0"/>
               <a:pPr/>
-              <a:t>2012/8/1</a:t>
+              <a:t>2013/9/10</a:t>
             </a:fld>
             <a:endParaRPr lang="zh-CN" altLang="en-US"/>
           </a:p>
@@ -809,6 +814,13 @@
   <p:clrMapOvr>
     <a:masterClrMapping/>
   </p:clrMapOvr>
+  <p:timing>
+    <p:tnLst>
+      <p:par>
+        <p:cTn id="1" dur="indefinite" restart="never" nodeType="tmRoot"/>
+      </p:par>
+    </p:tnLst>
+  </p:timing>
 </p:sldLayout>
 </file>
 
@@ -922,7 +934,7 @@
             <a:fld id="{DD307439-335A-4AF6-B548-D3E8EC230CFD}" type="datetimeFigureOut">
               <a:rPr lang="zh-CN" altLang="en-US" smtClean="0"/>
               <a:pPr/>
-              <a:t>2012/8/1</a:t>
+              <a:t>2013/9/10</a:t>
             </a:fld>
             <a:endParaRPr lang="zh-CN" altLang="en-US"/>
           </a:p>
@@ -1099,7 +1111,7 @@
             <a:fld id="{DD307439-335A-4AF6-B548-D3E8EC230CFD}" type="datetimeFigureOut">
               <a:rPr lang="zh-CN" altLang="en-US" smtClean="0"/>
               <a:pPr/>
-              <a:t>2012/8/1</a:t>
+              <a:t>2013/9/10</a:t>
             </a:fld>
             <a:endParaRPr lang="zh-CN" altLang="en-US"/>
           </a:p>
@@ -1266,7 +1278,7 @@
             <a:fld id="{DD307439-335A-4AF6-B548-D3E8EC230CFD}" type="datetimeFigureOut">
               <a:rPr lang="zh-CN" altLang="en-US" smtClean="0"/>
               <a:pPr/>
-              <a:t>2012/8/1</a:t>
+              <a:t>2013/9/10</a:t>
             </a:fld>
             <a:endParaRPr lang="zh-CN" altLang="en-US"/>
           </a:p>
@@ -1509,7 +1521,7 @@
             <a:fld id="{DD307439-335A-4AF6-B548-D3E8EC230CFD}" type="datetimeFigureOut">
               <a:rPr lang="zh-CN" altLang="en-US" smtClean="0"/>
               <a:pPr/>
-              <a:t>2012/8/1</a:t>
+              <a:t>2013/9/10</a:t>
             </a:fld>
             <a:endParaRPr lang="zh-CN" altLang="en-US"/>
           </a:p>
@@ -1794,7 +1806,7 @@
             <a:fld id="{DD307439-335A-4AF6-B548-D3E8EC230CFD}" type="datetimeFigureOut">
               <a:rPr lang="zh-CN" altLang="en-US" smtClean="0"/>
               <a:pPr/>
-              <a:t>2012/8/1</a:t>
+              <a:t>2013/9/10</a:t>
             </a:fld>
             <a:endParaRPr lang="zh-CN" altLang="en-US"/>
           </a:p>
@@ -2213,7 +2225,7 @@
             <a:fld id="{DD307439-335A-4AF6-B548-D3E8EC230CFD}" type="datetimeFigureOut">
               <a:rPr lang="zh-CN" altLang="en-US" smtClean="0"/>
               <a:pPr/>
-              <a:t>2012/8/1</a:t>
+              <a:t>2013/9/10</a:t>
             </a:fld>
             <a:endParaRPr lang="zh-CN" altLang="en-US"/>
           </a:p>
@@ -2328,7 +2340,7 @@
             <a:fld id="{DD307439-335A-4AF6-B548-D3E8EC230CFD}" type="datetimeFigureOut">
               <a:rPr lang="zh-CN" altLang="en-US" smtClean="0"/>
               <a:pPr/>
-              <a:t>2012/8/1</a:t>
+              <a:t>2013/9/10</a:t>
             </a:fld>
             <a:endParaRPr lang="zh-CN" altLang="en-US"/>
           </a:p>
@@ -2420,7 +2432,7 @@
             <a:fld id="{DD307439-335A-4AF6-B548-D3E8EC230CFD}" type="datetimeFigureOut">
               <a:rPr lang="zh-CN" altLang="en-US" smtClean="0"/>
               <a:pPr/>
-              <a:t>2012/8/1</a:t>
+              <a:t>2013/9/10</a:t>
             </a:fld>
             <a:endParaRPr lang="zh-CN" altLang="en-US"/>
           </a:p>
@@ -2694,7 +2706,7 @@
             <a:fld id="{DD307439-335A-4AF6-B548-D3E8EC230CFD}" type="datetimeFigureOut">
               <a:rPr lang="zh-CN" altLang="en-US" smtClean="0"/>
               <a:pPr/>
-              <a:t>2012/8/1</a:t>
+              <a:t>2013/9/10</a:t>
             </a:fld>
             <a:endParaRPr lang="zh-CN" altLang="en-US"/>
           </a:p>
@@ -2948,7 +2960,7 @@
             <a:fld id="{DD307439-335A-4AF6-B548-D3E8EC230CFD}" type="datetimeFigureOut">
               <a:rPr lang="zh-CN" altLang="en-US" smtClean="0"/>
               <a:pPr/>
-              <a:t>2012/8/1</a:t>
+              <a:t>2013/9/10</a:t>
             </a:fld>
             <a:endParaRPr lang="zh-CN" altLang="en-US"/>
           </a:p>
@@ -3240,7 +3252,7 @@
             <a:fld id="{DD307439-335A-4AF6-B548-D3E8EC230CFD}" type="datetimeFigureOut">
               <a:rPr lang="zh-CN" altLang="en-US" smtClean="0"/>
               <a:pPr/>
-              <a:t>2012/8/1</a:t>
+              <a:t>2013/9/10</a:t>
             </a:fld>
             <a:endParaRPr lang="zh-CN" altLang="en-US"/>
           </a:p>
@@ -5190,7 +5202,11 @@
           <a:p>
             <a:r>
               <a:rPr lang="zh-CN" altLang="en-US" smtClean="0"/>
-              <a:t>霹雳游侠的呼吸灯</a:t>
+              <a:t>呼吸</a:t>
+            </a:r>
+            <a:r>
+              <a:rPr lang="zh-CN" altLang="en-US" dirty="0" smtClean="0"/>
+              <a:t>灯</a:t>
             </a:r>
             <a:endParaRPr lang="zh-CN" altLang="en-US" dirty="0"/>
           </a:p>
